--- a/DL_Final_Poster.pptx
+++ b/DL_Final_Poster.pptx
@@ -3931,7 +3931,7 @@
                 <a:latin typeface="Times New Roman" panose="02020603050405020304" pitchFamily="18" charset="0"/>
                 <a:cs typeface="Times New Roman" panose="02020603050405020304" pitchFamily="18" charset="0"/>
               </a:rPr>
-              <a:t>The loss between the predicted and actual kinematic positions starts at ~3000 and ends at ~180. During the first twenty five epochs, the loss quickly dips to about 250, but then fluctuates for another 50 epochs before it begins to level off at around 140. The remaining epochs showed little to no improvement as the point of diminishing returns seems to be reached consistently within the first 100 epochs.</a:t>
+              <a:t>The loss between the predicted and actual kinematic positions starts at ~3000 and ends at ~180. During the first twenty five epochs, the loss quickly dips to about 250, but then fluctuates for another 50 epochs before it begins to level off at around 110. The remaining epochs showed little to no improvement as the point of diminishing returns seems to be reached consistently within the first 100 epochs.</a:t>
             </a:r>
           </a:p>
         </p:txBody>
@@ -4233,7 +4233,7 @@
                   <a:schemeClr val="tx1"/>
                 </a:solidFill>
               </a:rPr>
-              <a:t> = 20</a:t>
+              <a:t> = 10</a:t>
             </a:r>
           </a:p>
           <a:p>
@@ -4298,7 +4298,7 @@
                   <a:schemeClr val="tx1"/>
                 </a:solidFill>
               </a:rPr>
-              <a:t>Changing the learning rate from 0.01 to 0.001 substantially stabilized our training, especially after epoch 50, and it decreased our loss from about 180 to 140. </a:t>
+              <a:t>Changing the learning rate from 0.01 to 0.001 substantially stabilized our training, especially after epoch 50, and it decreased our loss from about 180 to 110. </a:t>
             </a:r>
           </a:p>
           <a:p>
